--- a/docs/diagrams/UndoRedoSequenceDiagram.pptx
+++ b/docs/diagrams/UndoRedoSequenceDiagram.pptx
@@ -212,7 +212,7 @@
           <a:p>
             <a:fld id="{F5CC4B3F-88C1-4FFA-B1B6-F41C21DC6924}" type="datetimeFigureOut">
               <a:rPr lang="en-US" smtClean="0"/>
-              <a:t>7/6/2018</a:t>
+              <a:t>10/18/18</a:t>
             </a:fld>
             <a:endParaRPr lang="en-US"/>
           </a:p>
@@ -658,7 +658,7 @@
           <a:p>
             <a:fld id="{78C97017-6FC3-485B-9764-EAC9E56C1D49}" type="datetimeFigureOut">
               <a:rPr lang="en-US" smtClean="0"/>
-              <a:t>7/6/2018</a:t>
+              <a:t>10/18/18</a:t>
             </a:fld>
             <a:endParaRPr lang="en-US"/>
           </a:p>
@@ -826,7 +826,7 @@
           <a:p>
             <a:fld id="{78C97017-6FC3-485B-9764-EAC9E56C1D49}" type="datetimeFigureOut">
               <a:rPr lang="en-US" smtClean="0"/>
-              <a:t>7/6/2018</a:t>
+              <a:t>10/18/18</a:t>
             </a:fld>
             <a:endParaRPr lang="en-US"/>
           </a:p>
@@ -1004,7 +1004,7 @@
           <a:p>
             <a:fld id="{78C97017-6FC3-485B-9764-EAC9E56C1D49}" type="datetimeFigureOut">
               <a:rPr lang="en-US" smtClean="0"/>
-              <a:t>7/6/2018</a:t>
+              <a:t>10/18/18</a:t>
             </a:fld>
             <a:endParaRPr lang="en-US"/>
           </a:p>
@@ -1172,7 +1172,7 @@
           <a:p>
             <a:fld id="{78C97017-6FC3-485B-9764-EAC9E56C1D49}" type="datetimeFigureOut">
               <a:rPr lang="en-US" smtClean="0"/>
-              <a:t>7/6/2018</a:t>
+              <a:t>10/18/18</a:t>
             </a:fld>
             <a:endParaRPr lang="en-US"/>
           </a:p>
@@ -1417,7 +1417,7 @@
           <a:p>
             <a:fld id="{78C97017-6FC3-485B-9764-EAC9E56C1D49}" type="datetimeFigureOut">
               <a:rPr lang="en-US" smtClean="0"/>
-              <a:t>7/6/2018</a:t>
+              <a:t>10/18/18</a:t>
             </a:fld>
             <a:endParaRPr lang="en-US"/>
           </a:p>
@@ -1702,7 +1702,7 @@
           <a:p>
             <a:fld id="{78C97017-6FC3-485B-9764-EAC9E56C1D49}" type="datetimeFigureOut">
               <a:rPr lang="en-US" smtClean="0"/>
-              <a:t>7/6/2018</a:t>
+              <a:t>10/18/18</a:t>
             </a:fld>
             <a:endParaRPr lang="en-US"/>
           </a:p>
@@ -2121,7 +2121,7 @@
           <a:p>
             <a:fld id="{78C97017-6FC3-485B-9764-EAC9E56C1D49}" type="datetimeFigureOut">
               <a:rPr lang="en-US" smtClean="0"/>
-              <a:t>7/6/2018</a:t>
+              <a:t>10/18/18</a:t>
             </a:fld>
             <a:endParaRPr lang="en-US"/>
           </a:p>
@@ -2238,7 +2238,7 @@
           <a:p>
             <a:fld id="{78C97017-6FC3-485B-9764-EAC9E56C1D49}" type="datetimeFigureOut">
               <a:rPr lang="en-US" smtClean="0"/>
-              <a:t>7/6/2018</a:t>
+              <a:t>10/18/18</a:t>
             </a:fld>
             <a:endParaRPr lang="en-US"/>
           </a:p>
@@ -2333,7 +2333,7 @@
           <a:p>
             <a:fld id="{78C97017-6FC3-485B-9764-EAC9E56C1D49}" type="datetimeFigureOut">
               <a:rPr lang="en-US" smtClean="0"/>
-              <a:t>7/6/2018</a:t>
+              <a:t>10/18/18</a:t>
             </a:fld>
             <a:endParaRPr lang="en-US"/>
           </a:p>
@@ -2608,7 +2608,7 @@
           <a:p>
             <a:fld id="{78C97017-6FC3-485B-9764-EAC9E56C1D49}" type="datetimeFigureOut">
               <a:rPr lang="en-US" smtClean="0"/>
-              <a:t>7/6/2018</a:t>
+              <a:t>10/18/18</a:t>
             </a:fld>
             <a:endParaRPr lang="en-US"/>
           </a:p>
@@ -2860,7 +2860,7 @@
           <a:p>
             <a:fld id="{78C97017-6FC3-485B-9764-EAC9E56C1D49}" type="datetimeFigureOut">
               <a:rPr lang="en-US" smtClean="0"/>
-              <a:t>7/6/2018</a:t>
+              <a:t>10/18/18</a:t>
             </a:fld>
             <a:endParaRPr lang="en-US"/>
           </a:p>
@@ -3071,7 +3071,7 @@
           <a:p>
             <a:fld id="{78C97017-6FC3-485B-9764-EAC9E56C1D49}" type="datetimeFigureOut">
               <a:rPr lang="en-US" smtClean="0"/>
-              <a:t>7/6/2018</a:t>
+              <a:t>10/18/18</a:t>
             </a:fld>
             <a:endParaRPr lang="en-US"/>
           </a:p>
@@ -3730,7 +3730,7 @@
         <p:spPr>
           <a:xfrm>
             <a:off x="3437188" y="423022"/>
-            <a:ext cx="1219200" cy="467684"/>
+            <a:ext cx="1287212" cy="467684"/>
           </a:xfrm>
           <a:prstGeom prst="rect">
             <a:avLst/>
@@ -3765,25 +3765,22 @@
           <a:p>
             <a:pPr algn="ctr"/>
             <a:r>
-              <a:rPr lang="en-US" sz="1600" dirty="0">
+              <a:rPr lang="en-US" sz="1600" dirty="0" smtClean="0">
                 <a:solidFill>
                   <a:schemeClr val="bg1"/>
                 </a:solidFill>
               </a:rPr>
-              <a:t>:Address</a:t>
-            </a:r>
-          </a:p>
-          <a:p>
-            <a:pPr algn="ctr"/>
-            <a:r>
-              <a:rPr lang="en-US" sz="1600" dirty="0" err="1">
+              <a:t>:</a:t>
+            </a:r>
+            <a:r>
+              <a:rPr lang="en-US" sz="1600" dirty="0" err="1" smtClean="0">
                 <a:solidFill>
                   <a:schemeClr val="bg1"/>
                 </a:solidFill>
               </a:rPr>
-              <a:t>BookParser</a:t>
-            </a:r>
-            <a:endParaRPr lang="en-SG" sz="1600" dirty="0">
+              <a:t>TaskManagerParser</a:t>
+            </a:r>
+            <a:endParaRPr lang="en-US" sz="1600" dirty="0">
               <a:solidFill>
                 <a:schemeClr val="bg1"/>
               </a:solidFill>
@@ -4312,25 +4309,17 @@
           </a:lstStyle>
           <a:p>
             <a:r>
-              <a:rPr lang="en-US" sz="1200" dirty="0" err="1">
+              <a:rPr lang="en-US" sz="1200" dirty="0" err="1" smtClean="0">
                 <a:solidFill>
                   <a:schemeClr val="accent4">
                     <a:lumMod val="75000"/>
                   </a:schemeClr>
                 </a:solidFill>
               </a:rPr>
-              <a:t>undo</a:t>
-            </a:r>
-            <a:r>
-              <a:rPr lang="en-US" sz="1200" dirty="0" err="1">
-                <a:solidFill>
-                  <a:srgbClr val="7030A0"/>
-                </a:solidFill>
-              </a:rPr>
-              <a:t>AddressBook</a:t>
-            </a:r>
-            <a:r>
-              <a:rPr lang="en-US" sz="1200" dirty="0">
+              <a:t>undoTaskManager</a:t>
+            </a:r>
+            <a:r>
+              <a:rPr lang="en-US" sz="1200" dirty="0" smtClean="0">
                 <a:solidFill>
                   <a:srgbClr val="7030A0"/>
                 </a:solidFill>
@@ -4509,7 +4498,7 @@
           <a:p>
             <a:pPr algn="ctr"/>
             <a:r>
-              <a:rPr lang="en-US" sz="1600" dirty="0">
+              <a:rPr lang="en-US" sz="1600" dirty="0" smtClean="0">
                 <a:solidFill>
                   <a:schemeClr val="bg1"/>
                 </a:solidFill>
@@ -4517,12 +4506,12 @@
               <a:t>:</a:t>
             </a:r>
             <a:r>
-              <a:rPr lang="en-US" sz="1600" dirty="0" err="1">
+              <a:rPr lang="en-US" sz="1600" dirty="0" err="1" smtClean="0">
                 <a:solidFill>
                   <a:schemeClr val="bg1"/>
                 </a:solidFill>
               </a:rPr>
-              <a:t>VersionedAddressBook</a:t>
+              <a:t>VersionedTaskManager</a:t>
             </a:r>
             <a:endParaRPr lang="en-SG" sz="1600" dirty="0">
               <a:solidFill>
@@ -4914,7 +4903,7 @@
           <p:cNvPr id="66" name="Straight Arrow Connector 65">
             <a:extLst>
               <a:ext uri="{FF2B5EF4-FFF2-40B4-BE49-F238E27FC236}">
-                <a16:creationId xmlns:a16="http://schemas.microsoft.com/office/drawing/2014/main" id="{39916E2E-195A-4DC8-B025-B05FA87E6796}"/>
+                <a16:creationId xmlns:a16="http://schemas.microsoft.com/office/drawing/2014/main" xmlns="" id="{39916E2E-195A-4DC8-B025-B05FA87E6796}"/>
               </a:ext>
             </a:extLst>
           </p:cNvPr>
@@ -4958,7 +4947,7 @@
           <p:cNvPr id="67" name="Straight Arrow Connector 66">
             <a:extLst>
               <a:ext uri="{FF2B5EF4-FFF2-40B4-BE49-F238E27FC236}">
-                <a16:creationId xmlns:a16="http://schemas.microsoft.com/office/drawing/2014/main" id="{D881596E-177C-4FDC-8E60-CAB90B3D5FAB}"/>
+                <a16:creationId xmlns:a16="http://schemas.microsoft.com/office/drawing/2014/main" xmlns="" id="{D881596E-177C-4FDC-8E60-CAB90B3D5FAB}"/>
               </a:ext>
             </a:extLst>
           </p:cNvPr>
@@ -5002,7 +4991,7 @@
           <p:cNvPr id="69" name="Straight Arrow Connector 68">
             <a:extLst>
               <a:ext uri="{FF2B5EF4-FFF2-40B4-BE49-F238E27FC236}">
-                <a16:creationId xmlns:a16="http://schemas.microsoft.com/office/drawing/2014/main" id="{7C9F21BC-13A9-471F-825A-2621FD36355F}"/>
+                <a16:creationId xmlns:a16="http://schemas.microsoft.com/office/drawing/2014/main" xmlns="" id="{7C9F21BC-13A9-471F-825A-2621FD36355F}"/>
               </a:ext>
             </a:extLst>
           </p:cNvPr>
@@ -5048,7 +5037,7 @@
           <p:cNvPr id="88" name="TextBox 87">
             <a:extLst>
               <a:ext uri="{FF2B5EF4-FFF2-40B4-BE49-F238E27FC236}">
-                <a16:creationId xmlns:a16="http://schemas.microsoft.com/office/drawing/2014/main" id="{B85C6184-7378-4E89-A338-72B1E5056F4F}"/>
+                <a16:creationId xmlns:a16="http://schemas.microsoft.com/office/drawing/2014/main" xmlns="" id="{B85C6184-7378-4E89-A338-72B1E5056F4F}"/>
               </a:ext>
             </a:extLst>
           </p:cNvPr>
@@ -5083,7 +5072,7 @@
           </a:lstStyle>
           <a:p>
             <a:r>
-              <a:rPr lang="en-US" sz="1200" dirty="0" err="1">
+              <a:rPr lang="en-US" sz="1200" dirty="0" err="1" smtClean="0">
                 <a:solidFill>
                   <a:srgbClr val="7030A0"/>
                 </a:solidFill>
@@ -5091,7 +5080,7 @@
               <a:t>resetData</a:t>
             </a:r>
             <a:r>
-              <a:rPr lang="en-US" sz="1200" dirty="0">
+              <a:rPr lang="en-US" sz="1200" dirty="0" smtClean="0">
                 <a:solidFill>
                   <a:srgbClr val="7030A0"/>
                 </a:solidFill>
@@ -5099,15 +5088,15 @@
               <a:t>(</a:t>
             </a:r>
             <a:r>
-              <a:rPr lang="en-US" sz="1200" dirty="0" err="1">
+              <a:rPr lang="en-US" sz="1200" dirty="0" err="1" smtClean="0">
                 <a:solidFill>
                   <a:srgbClr val="7030A0"/>
                 </a:solidFill>
               </a:rPr>
-              <a:t>ReadOnlyAddressBook</a:t>
-            </a:r>
-            <a:r>
-              <a:rPr lang="en-US" sz="1200" dirty="0">
+              <a:t>ReadOnlyTaskManager</a:t>
+            </a:r>
+            <a:r>
+              <a:rPr lang="en-US" sz="1200" dirty="0" smtClean="0">
                 <a:solidFill>
                   <a:srgbClr val="7030A0"/>
                 </a:solidFill>
@@ -5123,7 +5112,7 @@
           <p:cNvPr id="89" name="Straight Connector 88">
             <a:extLst>
               <a:ext uri="{FF2B5EF4-FFF2-40B4-BE49-F238E27FC236}">
-                <a16:creationId xmlns:a16="http://schemas.microsoft.com/office/drawing/2014/main" id="{E4E1C8CA-49DF-45D8-80A5-D5C8282EE927}"/>
+                <a16:creationId xmlns:a16="http://schemas.microsoft.com/office/drawing/2014/main" xmlns="" id="{E4E1C8CA-49DF-45D8-80A5-D5C8282EE927}"/>
               </a:ext>
             </a:extLst>
           </p:cNvPr>
@@ -5302,7 +5291,7 @@
           <p:cNvPr id="60" name="Straight Arrow Connector 59">
             <a:extLst>
               <a:ext uri="{FF2B5EF4-FFF2-40B4-BE49-F238E27FC236}">
-                <a16:creationId xmlns:a16="http://schemas.microsoft.com/office/drawing/2014/main" id="{7C9F21BC-13A9-471F-825A-2621FD36355F}"/>
+                <a16:creationId xmlns:a16="http://schemas.microsoft.com/office/drawing/2014/main" xmlns="" id="{7C9F21BC-13A9-471F-825A-2621FD36355F}"/>
               </a:ext>
             </a:extLst>
           </p:cNvPr>
@@ -5348,7 +5337,7 @@
           <p:cNvPr id="63" name="Straight Arrow Connector 62">
             <a:extLst>
               <a:ext uri="{FF2B5EF4-FFF2-40B4-BE49-F238E27FC236}">
-                <a16:creationId xmlns:a16="http://schemas.microsoft.com/office/drawing/2014/main" id="{7C9F21BC-13A9-471F-825A-2621FD36355F}"/>
+                <a16:creationId xmlns:a16="http://schemas.microsoft.com/office/drawing/2014/main" xmlns="" id="{7C9F21BC-13A9-471F-825A-2621FD36355F}"/>
               </a:ext>
             </a:extLst>
           </p:cNvPr>
@@ -5390,6 +5379,32 @@
           </a:fontRef>
         </p:style>
       </p:cxnSp>
+      <p:sp>
+        <p:nvSpPr>
+          <p:cNvPr id="3" name="TextBox 2"/>
+          <p:cNvSpPr txBox="1"/>
+          <p:nvPr/>
+        </p:nvSpPr>
+        <p:spPr>
+          <a:xfrm>
+            <a:off x="4466897" y="5665076"/>
+            <a:ext cx="184731" cy="369332"/>
+          </a:xfrm>
+          <a:prstGeom prst="rect">
+            <a:avLst/>
+          </a:prstGeom>
+          <a:noFill/>
+        </p:spPr>
+        <p:txBody>
+          <a:bodyPr wrap="none" rtlCol="0">
+            <a:spAutoFit/>
+          </a:bodyPr>
+          <a:lstStyle/>
+          <a:p>
+            <a:endParaRPr lang="en-US"/>
+          </a:p>
+        </p:txBody>
+      </p:sp>
     </p:spTree>
     <p:extLst>
       <p:ext uri="{BB962C8B-B14F-4D97-AF65-F5344CB8AC3E}">
